--- a/論文.pptx
+++ b/論文.pptx
@@ -5,7 +5,7 @@
     <p:sldMasterId id="2147483648" r:id="rId1"/>
   </p:sldMasterIdLst>
   <p:notesMasterIdLst>
-    <p:notesMasterId r:id="rId14"/>
+    <p:notesMasterId r:id="rId15"/>
   </p:notesMasterIdLst>
   <p:sldIdLst>
     <p:sldId id="256" r:id="rId2"/>
@@ -20,6 +20,7 @@
     <p:sldId id="266" r:id="rId11"/>
     <p:sldId id="267" r:id="rId12"/>
     <p:sldId id="268" r:id="rId13"/>
+    <p:sldId id="270" r:id="rId14"/>
   </p:sldIdLst>
   <p:sldSz cx="12192000" cy="6858000"/>
   <p:notesSz cx="6858000" cy="9144000"/>
@@ -222,7 +223,7 @@
           <a:p>
             <a:fld id="{849CF168-D755-C444-BB41-ADC2FBEBA393}" type="datetimeFigureOut">
               <a:rPr kumimoji="1" lang="ja-JP" altLang="en-US" smtClean="0"/>
-              <a:t>2017/1/31</a:t>
+              <a:t>2017/2/3</a:t>
             </a:fld>
             <a:endParaRPr kumimoji="1" lang="ja-JP" altLang="en-US"/>
           </a:p>
@@ -737,7 +738,7 @@
           <a:p>
             <a:fld id="{7EF9C50B-4B7A-0E4E-A896-ED36CBC50652}" type="datetimeFigureOut">
               <a:rPr kumimoji="1" lang="ja-JP" altLang="en-US" smtClean="0"/>
-              <a:t>2017/1/31</a:t>
+              <a:t>2017/2/3</a:t>
             </a:fld>
             <a:endParaRPr kumimoji="1" lang="ja-JP" altLang="en-US"/>
           </a:p>
@@ -939,7 +940,7 @@
           <a:p>
             <a:fld id="{7EF9C50B-4B7A-0E4E-A896-ED36CBC50652}" type="datetimeFigureOut">
               <a:rPr kumimoji="1" lang="ja-JP" altLang="en-US" smtClean="0"/>
-              <a:t>2017/1/31</a:t>
+              <a:t>2017/2/3</a:t>
             </a:fld>
             <a:endParaRPr kumimoji="1" lang="ja-JP" altLang="en-US"/>
           </a:p>
@@ -1151,7 +1152,7 @@
           <a:p>
             <a:fld id="{7EF9C50B-4B7A-0E4E-A896-ED36CBC50652}" type="datetimeFigureOut">
               <a:rPr kumimoji="1" lang="ja-JP" altLang="en-US" smtClean="0"/>
-              <a:t>2017/1/31</a:t>
+              <a:t>2017/2/3</a:t>
             </a:fld>
             <a:endParaRPr kumimoji="1" lang="ja-JP" altLang="en-US"/>
           </a:p>
@@ -1353,7 +1354,7 @@
           <a:p>
             <a:fld id="{7EF9C50B-4B7A-0E4E-A896-ED36CBC50652}" type="datetimeFigureOut">
               <a:rPr kumimoji="1" lang="ja-JP" altLang="en-US" smtClean="0"/>
-              <a:t>2017/1/31</a:t>
+              <a:t>2017/2/3</a:t>
             </a:fld>
             <a:endParaRPr kumimoji="1" lang="ja-JP" altLang="en-US"/>
           </a:p>
@@ -1599,7 +1600,7 @@
           <a:p>
             <a:fld id="{7EF9C50B-4B7A-0E4E-A896-ED36CBC50652}" type="datetimeFigureOut">
               <a:rPr kumimoji="1" lang="ja-JP" altLang="en-US" smtClean="0"/>
-              <a:t>2017/1/31</a:t>
+              <a:t>2017/2/3</a:t>
             </a:fld>
             <a:endParaRPr kumimoji="1" lang="ja-JP" altLang="en-US"/>
           </a:p>
@@ -1895,7 +1896,7 @@
           <a:p>
             <a:fld id="{7EF9C50B-4B7A-0E4E-A896-ED36CBC50652}" type="datetimeFigureOut">
               <a:rPr kumimoji="1" lang="ja-JP" altLang="en-US" smtClean="0"/>
-              <a:t>2017/1/31</a:t>
+              <a:t>2017/2/3</a:t>
             </a:fld>
             <a:endParaRPr kumimoji="1" lang="ja-JP" altLang="en-US"/>
           </a:p>
@@ -2326,7 +2327,7 @@
           <a:p>
             <a:fld id="{7EF9C50B-4B7A-0E4E-A896-ED36CBC50652}" type="datetimeFigureOut">
               <a:rPr kumimoji="1" lang="ja-JP" altLang="en-US" smtClean="0"/>
-              <a:t>2017/1/31</a:t>
+              <a:t>2017/2/3</a:t>
             </a:fld>
             <a:endParaRPr kumimoji="1" lang="ja-JP" altLang="en-US"/>
           </a:p>
@@ -2444,7 +2445,7 @@
           <a:p>
             <a:fld id="{7EF9C50B-4B7A-0E4E-A896-ED36CBC50652}" type="datetimeFigureOut">
               <a:rPr kumimoji="1" lang="ja-JP" altLang="en-US" smtClean="0"/>
-              <a:t>2017/1/31</a:t>
+              <a:t>2017/2/3</a:t>
             </a:fld>
             <a:endParaRPr kumimoji="1" lang="ja-JP" altLang="en-US"/>
           </a:p>
@@ -2539,7 +2540,7 @@
           <a:p>
             <a:fld id="{7EF9C50B-4B7A-0E4E-A896-ED36CBC50652}" type="datetimeFigureOut">
               <a:rPr kumimoji="1" lang="ja-JP" altLang="en-US" smtClean="0"/>
-              <a:t>2017/1/31</a:t>
+              <a:t>2017/2/3</a:t>
             </a:fld>
             <a:endParaRPr kumimoji="1" lang="ja-JP" altLang="en-US"/>
           </a:p>
@@ -2848,7 +2849,7 @@
           <a:p>
             <a:fld id="{7EF9C50B-4B7A-0E4E-A896-ED36CBC50652}" type="datetimeFigureOut">
               <a:rPr kumimoji="1" lang="ja-JP" altLang="en-US" smtClean="0"/>
-              <a:t>2017/1/31</a:t>
+              <a:t>2017/2/3</a:t>
             </a:fld>
             <a:endParaRPr kumimoji="1" lang="ja-JP" altLang="en-US"/>
           </a:p>
@@ -3101,7 +3102,7 @@
           <a:p>
             <a:fld id="{7EF9C50B-4B7A-0E4E-A896-ED36CBC50652}" type="datetimeFigureOut">
               <a:rPr kumimoji="1" lang="ja-JP" altLang="en-US" smtClean="0"/>
-              <a:t>2017/1/31</a:t>
+              <a:t>2017/2/3</a:t>
             </a:fld>
             <a:endParaRPr kumimoji="1" lang="ja-JP" altLang="en-US"/>
           </a:p>
@@ -3346,7 +3347,7 @@
           <a:p>
             <a:fld id="{7EF9C50B-4B7A-0E4E-A896-ED36CBC50652}" type="datetimeFigureOut">
               <a:rPr kumimoji="1" lang="ja-JP" altLang="en-US" smtClean="0"/>
-              <a:t>2017/1/31</a:t>
+              <a:t>2017/2/3</a:t>
             </a:fld>
             <a:endParaRPr kumimoji="1" lang="ja-JP" altLang="en-US"/>
           </a:p>
@@ -6916,516 +6917,6 @@
       </p:sp>
       <p:sp>
         <p:nvSpPr>
-          <p:cNvPr id="22" name="テキスト ボックス 21"/>
-          <p:cNvSpPr txBox="1"/>
-          <p:nvPr/>
-        </p:nvSpPr>
-        <p:spPr>
-          <a:xfrm>
-            <a:off x="5775210" y="2113172"/>
-            <a:ext cx="540000" cy="540000"/>
-          </a:xfrm>
-          <a:prstGeom prst="rect">
-            <a:avLst/>
-          </a:prstGeom>
-          <a:noFill/>
-        </p:spPr>
-        <p:txBody>
-          <a:bodyPr wrap="square" rtlCol="0">
-            <a:spAutoFit/>
-          </a:bodyPr>
-          <a:lstStyle/>
-          <a:p>
-            <a:r>
-              <a:rPr kumimoji="1" lang="en-US" altLang="ja-JP" sz="2700" dirty="0" smtClean="0"/>
-              <a:t>a</a:t>
-            </a:r>
-            <a:endParaRPr kumimoji="1" lang="ja-JP" altLang="en-US" sz="2700" dirty="0"/>
-          </a:p>
-        </p:txBody>
-      </p:sp>
-      <p:sp>
-        <p:nvSpPr>
-          <p:cNvPr id="23" name="テキスト ボックス 22"/>
-          <p:cNvSpPr txBox="1"/>
-          <p:nvPr/>
-        </p:nvSpPr>
-        <p:spPr>
-          <a:xfrm>
-            <a:off x="2591360" y="3784003"/>
-            <a:ext cx="461626" cy="507831"/>
-          </a:xfrm>
-          <a:prstGeom prst="rect">
-            <a:avLst/>
-          </a:prstGeom>
-          <a:noFill/>
-        </p:spPr>
-        <p:txBody>
-          <a:bodyPr wrap="square" rtlCol="0">
-            <a:spAutoFit/>
-          </a:bodyPr>
-          <a:lstStyle/>
-          <a:p>
-            <a:r>
-              <a:rPr lang="en-US" altLang="ja-JP" sz="2700" dirty="0"/>
-              <a:t>f</a:t>
-            </a:r>
-            <a:endParaRPr kumimoji="1" lang="ja-JP" altLang="en-US" sz="2700" dirty="0"/>
-          </a:p>
-        </p:txBody>
-      </p:sp>
-      <p:sp>
-        <p:nvSpPr>
-          <p:cNvPr id="24" name="テキスト ボックス 23"/>
-          <p:cNvSpPr txBox="1"/>
-          <p:nvPr/>
-        </p:nvSpPr>
-        <p:spPr>
-          <a:xfrm>
-            <a:off x="5201015" y="2935210"/>
-            <a:ext cx="574195" cy="507831"/>
-          </a:xfrm>
-          <a:prstGeom prst="rect">
-            <a:avLst/>
-          </a:prstGeom>
-          <a:noFill/>
-        </p:spPr>
-        <p:txBody>
-          <a:bodyPr wrap="square" rtlCol="0">
-            <a:spAutoFit/>
-          </a:bodyPr>
-          <a:lstStyle/>
-          <a:p>
-            <a:r>
-              <a:rPr lang="en-US" altLang="ja-JP" sz="2700" dirty="0"/>
-              <a:t>c</a:t>
-            </a:r>
-            <a:endParaRPr kumimoji="1" lang="ja-JP" altLang="en-US" sz="2700" dirty="0"/>
-          </a:p>
-        </p:txBody>
-      </p:sp>
-      <p:sp>
-        <p:nvSpPr>
-          <p:cNvPr id="25" name="テキスト ボックス 24"/>
-          <p:cNvSpPr txBox="1"/>
-          <p:nvPr/>
-        </p:nvSpPr>
-        <p:spPr>
-          <a:xfrm>
-            <a:off x="7356302" y="2927218"/>
-            <a:ext cx="1317897" cy="507831"/>
-          </a:xfrm>
-          <a:prstGeom prst="rect">
-            <a:avLst/>
-          </a:prstGeom>
-          <a:noFill/>
-        </p:spPr>
-        <p:txBody>
-          <a:bodyPr wrap="square" rtlCol="0">
-            <a:spAutoFit/>
-          </a:bodyPr>
-          <a:lstStyle/>
-          <a:p>
-            <a:r>
-              <a:rPr lang="en-US" altLang="ja-JP" sz="2700" dirty="0"/>
-              <a:t>e</a:t>
-            </a:r>
-            <a:endParaRPr kumimoji="1" lang="ja-JP" altLang="en-US" sz="2700" dirty="0"/>
-          </a:p>
-        </p:txBody>
-      </p:sp>
-      <p:sp>
-        <p:nvSpPr>
-          <p:cNvPr id="26" name="テキスト ボックス 25"/>
-          <p:cNvSpPr txBox="1"/>
-          <p:nvPr/>
-        </p:nvSpPr>
-        <p:spPr>
-          <a:xfrm>
-            <a:off x="6306740" y="2927218"/>
-            <a:ext cx="452117" cy="507831"/>
-          </a:xfrm>
-          <a:prstGeom prst="rect">
-            <a:avLst/>
-          </a:prstGeom>
-          <a:noFill/>
-        </p:spPr>
-        <p:txBody>
-          <a:bodyPr wrap="square" rtlCol="0">
-            <a:spAutoFit/>
-          </a:bodyPr>
-          <a:lstStyle/>
-          <a:p>
-            <a:r>
-              <a:rPr lang="en-US" altLang="ja-JP" sz="2700" dirty="0"/>
-              <a:t>d</a:t>
-            </a:r>
-            <a:endParaRPr kumimoji="1" lang="ja-JP" altLang="en-US" sz="2700" dirty="0"/>
-          </a:p>
-        </p:txBody>
-      </p:sp>
-      <p:sp>
-        <p:nvSpPr>
-          <p:cNvPr id="27" name="テキスト ボックス 26"/>
-          <p:cNvSpPr txBox="1"/>
-          <p:nvPr/>
-        </p:nvSpPr>
-        <p:spPr>
-          <a:xfrm>
-            <a:off x="4130805" y="2971277"/>
-            <a:ext cx="524696" cy="507831"/>
-          </a:xfrm>
-          <a:prstGeom prst="rect">
-            <a:avLst/>
-          </a:prstGeom>
-          <a:noFill/>
-        </p:spPr>
-        <p:txBody>
-          <a:bodyPr wrap="square" rtlCol="0">
-            <a:spAutoFit/>
-          </a:bodyPr>
-          <a:lstStyle/>
-          <a:p>
-            <a:r>
-              <a:rPr lang="en-US" altLang="ja-JP" sz="2700" dirty="0"/>
-              <a:t>b</a:t>
-            </a:r>
-            <a:endParaRPr kumimoji="1" lang="ja-JP" altLang="en-US" sz="2700" dirty="0"/>
-          </a:p>
-        </p:txBody>
-      </p:sp>
-      <p:sp>
-        <p:nvSpPr>
-          <p:cNvPr id="28" name="テキスト ボックス 27"/>
-          <p:cNvSpPr txBox="1"/>
-          <p:nvPr/>
-        </p:nvSpPr>
-        <p:spPr>
-          <a:xfrm>
-            <a:off x="5211716" y="4531495"/>
-            <a:ext cx="461626" cy="507831"/>
-          </a:xfrm>
-          <a:prstGeom prst="rect">
-            <a:avLst/>
-          </a:prstGeom>
-          <a:noFill/>
-        </p:spPr>
-        <p:txBody>
-          <a:bodyPr wrap="square" rtlCol="0">
-            <a:spAutoFit/>
-          </a:bodyPr>
-          <a:lstStyle/>
-          <a:p>
-            <a:r>
-              <a:rPr lang="en-US" altLang="ja-JP" sz="2700" dirty="0" smtClean="0"/>
-              <a:t>n</a:t>
-            </a:r>
-            <a:endParaRPr kumimoji="1" lang="ja-JP" altLang="en-US" sz="2700" dirty="0"/>
-          </a:p>
-        </p:txBody>
-      </p:sp>
-      <p:sp>
-        <p:nvSpPr>
-          <p:cNvPr id="29" name="テキスト ボックス 28"/>
-          <p:cNvSpPr txBox="1"/>
-          <p:nvPr/>
-        </p:nvSpPr>
-        <p:spPr>
-          <a:xfrm>
-            <a:off x="4087014" y="4531495"/>
-            <a:ext cx="461626" cy="507831"/>
-          </a:xfrm>
-          <a:prstGeom prst="rect">
-            <a:avLst/>
-          </a:prstGeom>
-          <a:noFill/>
-        </p:spPr>
-        <p:txBody>
-          <a:bodyPr wrap="square" rtlCol="0">
-            <a:spAutoFit/>
-          </a:bodyPr>
-          <a:lstStyle/>
-          <a:p>
-            <a:r>
-              <a:rPr lang="en-US" altLang="ja-JP" sz="2700" dirty="0" smtClean="0"/>
-              <a:t>m</a:t>
-            </a:r>
-            <a:endParaRPr kumimoji="1" lang="ja-JP" altLang="en-US" sz="2700" dirty="0"/>
-          </a:p>
-        </p:txBody>
-      </p:sp>
-      <p:sp>
-        <p:nvSpPr>
-          <p:cNvPr id="30" name="テキスト ボックス 29"/>
-          <p:cNvSpPr txBox="1"/>
-          <p:nvPr/>
-        </p:nvSpPr>
-        <p:spPr>
-          <a:xfrm>
-            <a:off x="8945790" y="3784003"/>
-            <a:ext cx="461626" cy="507831"/>
-          </a:xfrm>
-          <a:prstGeom prst="rect">
-            <a:avLst/>
-          </a:prstGeom>
-          <a:noFill/>
-        </p:spPr>
-        <p:txBody>
-          <a:bodyPr wrap="square" rtlCol="0">
-            <a:spAutoFit/>
-          </a:bodyPr>
-          <a:lstStyle/>
-          <a:p>
-            <a:r>
-              <a:rPr lang="en-US" altLang="ja-JP" sz="2700" dirty="0" smtClean="0"/>
-              <a:t>l</a:t>
-            </a:r>
-            <a:endParaRPr kumimoji="1" lang="ja-JP" altLang="en-US" sz="2700" dirty="0"/>
-          </a:p>
-        </p:txBody>
-      </p:sp>
-      <p:sp>
-        <p:nvSpPr>
-          <p:cNvPr id="31" name="テキスト ボックス 30"/>
-          <p:cNvSpPr txBox="1"/>
-          <p:nvPr/>
-        </p:nvSpPr>
-        <p:spPr>
-          <a:xfrm>
-            <a:off x="7891415" y="3790304"/>
-            <a:ext cx="461626" cy="507831"/>
-          </a:xfrm>
-          <a:prstGeom prst="rect">
-            <a:avLst/>
-          </a:prstGeom>
-          <a:noFill/>
-        </p:spPr>
-        <p:txBody>
-          <a:bodyPr wrap="square" rtlCol="0">
-            <a:spAutoFit/>
-          </a:bodyPr>
-          <a:lstStyle/>
-          <a:p>
-            <a:r>
-              <a:rPr lang="en-US" altLang="ja-JP" sz="2700" dirty="0" smtClean="0"/>
-              <a:t>k</a:t>
-            </a:r>
-            <a:endParaRPr kumimoji="1" lang="ja-JP" altLang="en-US" sz="2700" dirty="0"/>
-          </a:p>
-        </p:txBody>
-      </p:sp>
-      <p:sp>
-        <p:nvSpPr>
-          <p:cNvPr id="32" name="テキスト ボックス 31"/>
-          <p:cNvSpPr txBox="1"/>
-          <p:nvPr/>
-        </p:nvSpPr>
-        <p:spPr>
-          <a:xfrm>
-            <a:off x="6957565" y="3754387"/>
-            <a:ext cx="461626" cy="507831"/>
-          </a:xfrm>
-          <a:prstGeom prst="rect">
-            <a:avLst/>
-          </a:prstGeom>
-          <a:noFill/>
-        </p:spPr>
-        <p:txBody>
-          <a:bodyPr wrap="square" rtlCol="0">
-            <a:spAutoFit/>
-          </a:bodyPr>
-          <a:lstStyle/>
-          <a:p>
-            <a:r>
-              <a:rPr lang="en-US" altLang="ja-JP" sz="2700" dirty="0" smtClean="0"/>
-              <a:t>j</a:t>
-            </a:r>
-            <a:endParaRPr kumimoji="1" lang="ja-JP" altLang="en-US" sz="2700" dirty="0"/>
-          </a:p>
-        </p:txBody>
-      </p:sp>
-      <p:sp>
-        <p:nvSpPr>
-          <p:cNvPr id="33" name="テキスト ボックス 32"/>
-          <p:cNvSpPr txBox="1"/>
-          <p:nvPr/>
-        </p:nvSpPr>
-        <p:spPr>
-          <a:xfrm>
-            <a:off x="5831467" y="3826743"/>
-            <a:ext cx="461626" cy="507831"/>
-          </a:xfrm>
-          <a:prstGeom prst="rect">
-            <a:avLst/>
-          </a:prstGeom>
-          <a:noFill/>
-        </p:spPr>
-        <p:txBody>
-          <a:bodyPr wrap="square" rtlCol="0">
-            <a:spAutoFit/>
-          </a:bodyPr>
-          <a:lstStyle/>
-          <a:p>
-            <a:r>
-              <a:rPr lang="en-US" altLang="ja-JP" sz="2700" dirty="0" smtClean="0"/>
-              <a:t>i</a:t>
-            </a:r>
-            <a:endParaRPr kumimoji="1" lang="ja-JP" altLang="en-US" sz="2700" dirty="0"/>
-          </a:p>
-        </p:txBody>
-      </p:sp>
-      <p:sp>
-        <p:nvSpPr>
-          <p:cNvPr id="34" name="テキスト ボックス 33"/>
-          <p:cNvSpPr txBox="1"/>
-          <p:nvPr/>
-        </p:nvSpPr>
-        <p:spPr>
-          <a:xfrm>
-            <a:off x="3655699" y="3718917"/>
-            <a:ext cx="461626" cy="507831"/>
-          </a:xfrm>
-          <a:prstGeom prst="rect">
-            <a:avLst/>
-          </a:prstGeom>
-          <a:noFill/>
-        </p:spPr>
-        <p:txBody>
-          <a:bodyPr wrap="square" rtlCol="0">
-            <a:spAutoFit/>
-          </a:bodyPr>
-          <a:lstStyle/>
-          <a:p>
-            <a:r>
-              <a:rPr lang="en-US" altLang="ja-JP" sz="2700" dirty="0" smtClean="0"/>
-              <a:t>g</a:t>
-            </a:r>
-            <a:endParaRPr kumimoji="1" lang="ja-JP" altLang="en-US" sz="2700" dirty="0"/>
-          </a:p>
-        </p:txBody>
-      </p:sp>
-      <p:sp>
-        <p:nvSpPr>
-          <p:cNvPr id="35" name="テキスト ボックス 34"/>
-          <p:cNvSpPr txBox="1"/>
-          <p:nvPr/>
-        </p:nvSpPr>
-        <p:spPr>
-          <a:xfrm>
-            <a:off x="4761296" y="3751101"/>
-            <a:ext cx="461626" cy="507831"/>
-          </a:xfrm>
-          <a:prstGeom prst="rect">
-            <a:avLst/>
-          </a:prstGeom>
-          <a:noFill/>
-        </p:spPr>
-        <p:txBody>
-          <a:bodyPr wrap="square" rtlCol="0">
-            <a:spAutoFit/>
-          </a:bodyPr>
-          <a:lstStyle/>
-          <a:p>
-            <a:r>
-              <a:rPr lang="en-US" altLang="ja-JP" sz="2700" dirty="0" smtClean="0"/>
-              <a:t>h</a:t>
-            </a:r>
-            <a:endParaRPr kumimoji="1" lang="ja-JP" altLang="en-US" sz="2700" dirty="0"/>
-          </a:p>
-        </p:txBody>
-      </p:sp>
-      <p:sp>
-        <p:nvSpPr>
-          <p:cNvPr id="36" name="テキスト ボックス 35"/>
-          <p:cNvSpPr txBox="1"/>
-          <p:nvPr/>
-        </p:nvSpPr>
-        <p:spPr>
-          <a:xfrm>
-            <a:off x="5792349" y="5360895"/>
-            <a:ext cx="461626" cy="507831"/>
-          </a:xfrm>
-          <a:prstGeom prst="rect">
-            <a:avLst/>
-          </a:prstGeom>
-          <a:noFill/>
-        </p:spPr>
-        <p:txBody>
-          <a:bodyPr wrap="square" rtlCol="0">
-            <a:spAutoFit/>
-          </a:bodyPr>
-          <a:lstStyle/>
-          <a:p>
-            <a:r>
-              <a:rPr lang="en-US" altLang="ja-JP" sz="2700" dirty="0"/>
-              <a:t>q</a:t>
-            </a:r>
-            <a:endParaRPr kumimoji="1" lang="ja-JP" altLang="en-US" sz="2700" dirty="0"/>
-          </a:p>
-        </p:txBody>
-      </p:sp>
-      <p:sp>
-        <p:nvSpPr>
-          <p:cNvPr id="37" name="テキスト ボックス 36"/>
-          <p:cNvSpPr txBox="1"/>
-          <p:nvPr/>
-        </p:nvSpPr>
-        <p:spPr>
-          <a:xfrm>
-            <a:off x="7356302" y="4515500"/>
-            <a:ext cx="461626" cy="507831"/>
-          </a:xfrm>
-          <a:prstGeom prst="rect">
-            <a:avLst/>
-          </a:prstGeom>
-          <a:noFill/>
-        </p:spPr>
-        <p:txBody>
-          <a:bodyPr wrap="square" rtlCol="0">
-            <a:spAutoFit/>
-          </a:bodyPr>
-          <a:lstStyle/>
-          <a:p>
-            <a:r>
-              <a:rPr lang="en-US" altLang="ja-JP" sz="2700" dirty="0"/>
-              <a:t>p</a:t>
-            </a:r>
-            <a:endParaRPr kumimoji="1" lang="ja-JP" altLang="en-US" sz="2700" dirty="0"/>
-          </a:p>
-        </p:txBody>
-      </p:sp>
-      <p:sp>
-        <p:nvSpPr>
-          <p:cNvPr id="38" name="テキスト ボックス 37"/>
-          <p:cNvSpPr txBox="1"/>
-          <p:nvPr/>
-        </p:nvSpPr>
-        <p:spPr>
-          <a:xfrm>
-            <a:off x="6304945" y="4531495"/>
-            <a:ext cx="461626" cy="507831"/>
-          </a:xfrm>
-          <a:prstGeom prst="rect">
-            <a:avLst/>
-          </a:prstGeom>
-          <a:noFill/>
-        </p:spPr>
-        <p:txBody>
-          <a:bodyPr wrap="square" rtlCol="0">
-            <a:spAutoFit/>
-          </a:bodyPr>
-          <a:lstStyle/>
-          <a:p>
-            <a:r>
-              <a:rPr lang="en-US" altLang="ja-JP" sz="2700" dirty="0"/>
-              <a:t>o</a:t>
-            </a:r>
-            <a:endParaRPr kumimoji="1" lang="ja-JP" altLang="en-US" sz="2700" dirty="0"/>
-          </a:p>
-        </p:txBody>
-      </p:sp>
-      <p:sp>
-        <p:nvSpPr>
           <p:cNvPr id="39" name="テキスト ボックス 38"/>
           <p:cNvSpPr txBox="1"/>
           <p:nvPr/>
@@ -8342,486 +7833,6 @@
           </a:p>
         </p:txBody>
       </p:sp>
-      <p:sp>
-        <p:nvSpPr>
-          <p:cNvPr id="43" name="テキスト ボックス 42"/>
-          <p:cNvSpPr txBox="1"/>
-          <p:nvPr/>
-        </p:nvSpPr>
-        <p:spPr>
-          <a:xfrm>
-            <a:off x="5191286" y="2439255"/>
-            <a:ext cx="540000" cy="540000"/>
-          </a:xfrm>
-          <a:prstGeom prst="rect">
-            <a:avLst/>
-          </a:prstGeom>
-          <a:noFill/>
-        </p:spPr>
-        <p:txBody>
-          <a:bodyPr wrap="square" rtlCol="0">
-            <a:spAutoFit/>
-          </a:bodyPr>
-          <a:lstStyle/>
-          <a:p>
-            <a:r>
-              <a:rPr kumimoji="1" lang="en-US" altLang="ja-JP" sz="2700" dirty="0" smtClean="0"/>
-              <a:t>a</a:t>
-            </a:r>
-            <a:endParaRPr kumimoji="1" lang="ja-JP" altLang="en-US" sz="2700" dirty="0"/>
-          </a:p>
-        </p:txBody>
-      </p:sp>
-      <p:sp>
-        <p:nvSpPr>
-          <p:cNvPr id="44" name="テキスト ボックス 43"/>
-          <p:cNvSpPr txBox="1"/>
-          <p:nvPr/>
-        </p:nvSpPr>
-        <p:spPr>
-          <a:xfrm>
-            <a:off x="3656094" y="3229464"/>
-            <a:ext cx="540000" cy="507831"/>
-          </a:xfrm>
-          <a:prstGeom prst="rect">
-            <a:avLst/>
-          </a:prstGeom>
-          <a:noFill/>
-        </p:spPr>
-        <p:txBody>
-          <a:bodyPr wrap="square" rtlCol="0">
-            <a:spAutoFit/>
-          </a:bodyPr>
-          <a:lstStyle/>
-          <a:p>
-            <a:r>
-              <a:rPr lang="en-US" altLang="ja-JP" sz="2700" dirty="0"/>
-              <a:t>c</a:t>
-            </a:r>
-            <a:endParaRPr kumimoji="1" lang="ja-JP" altLang="en-US" sz="2700" dirty="0"/>
-          </a:p>
-        </p:txBody>
-      </p:sp>
-      <p:sp>
-        <p:nvSpPr>
-          <p:cNvPr id="45" name="テキスト ボックス 44"/>
-          <p:cNvSpPr txBox="1"/>
-          <p:nvPr/>
-        </p:nvSpPr>
-        <p:spPr>
-          <a:xfrm>
-            <a:off x="6288587" y="2447713"/>
-            <a:ext cx="540000" cy="507831"/>
-          </a:xfrm>
-          <a:prstGeom prst="rect">
-            <a:avLst/>
-          </a:prstGeom>
-          <a:noFill/>
-        </p:spPr>
-        <p:txBody>
-          <a:bodyPr wrap="square" rtlCol="0">
-            <a:spAutoFit/>
-          </a:bodyPr>
-          <a:lstStyle/>
-          <a:p>
-            <a:r>
-              <a:rPr lang="en-US" altLang="ja-JP" sz="2700" dirty="0"/>
-              <a:t>b</a:t>
-            </a:r>
-            <a:endParaRPr kumimoji="1" lang="ja-JP" altLang="en-US" sz="2700" dirty="0"/>
-          </a:p>
-        </p:txBody>
-      </p:sp>
-      <p:sp>
-        <p:nvSpPr>
-          <p:cNvPr id="46" name="テキスト ボックス 45"/>
-          <p:cNvSpPr txBox="1"/>
-          <p:nvPr/>
-        </p:nvSpPr>
-        <p:spPr>
-          <a:xfrm>
-            <a:off x="3130532" y="4075020"/>
-            <a:ext cx="540000" cy="507831"/>
-          </a:xfrm>
-          <a:prstGeom prst="rect">
-            <a:avLst/>
-          </a:prstGeom>
-          <a:noFill/>
-        </p:spPr>
-        <p:txBody>
-          <a:bodyPr wrap="square" rtlCol="0">
-            <a:spAutoFit/>
-          </a:bodyPr>
-          <a:lstStyle/>
-          <a:p>
-            <a:r>
-              <a:rPr lang="en-US" altLang="ja-JP" sz="2700" dirty="0" smtClean="0"/>
-              <a:t>h</a:t>
-            </a:r>
-            <a:endParaRPr kumimoji="1" lang="ja-JP" altLang="en-US" sz="2700" dirty="0"/>
-          </a:p>
-        </p:txBody>
-      </p:sp>
-      <p:sp>
-        <p:nvSpPr>
-          <p:cNvPr id="47" name="テキスト ボックス 46"/>
-          <p:cNvSpPr txBox="1"/>
-          <p:nvPr/>
-        </p:nvSpPr>
-        <p:spPr>
-          <a:xfrm>
-            <a:off x="7828923" y="3184492"/>
-            <a:ext cx="540000" cy="507831"/>
-          </a:xfrm>
-          <a:prstGeom prst="rect">
-            <a:avLst/>
-          </a:prstGeom>
-          <a:noFill/>
-        </p:spPr>
-        <p:txBody>
-          <a:bodyPr wrap="square" rtlCol="0">
-            <a:spAutoFit/>
-          </a:bodyPr>
-          <a:lstStyle/>
-          <a:p>
-            <a:r>
-              <a:rPr kumimoji="1" lang="en-US" altLang="ja-JP" sz="2700" smtClean="0"/>
-              <a:t>g</a:t>
-            </a:r>
-            <a:endParaRPr kumimoji="1" lang="ja-JP" altLang="en-US" sz="2700" dirty="0"/>
-          </a:p>
-        </p:txBody>
-      </p:sp>
-      <p:sp>
-        <p:nvSpPr>
-          <p:cNvPr id="48" name="テキスト ボックス 47"/>
-          <p:cNvSpPr txBox="1"/>
-          <p:nvPr/>
-        </p:nvSpPr>
-        <p:spPr>
-          <a:xfrm>
-            <a:off x="6827645" y="3245016"/>
-            <a:ext cx="456007" cy="507831"/>
-          </a:xfrm>
-          <a:prstGeom prst="rect">
-            <a:avLst/>
-          </a:prstGeom>
-          <a:noFill/>
-        </p:spPr>
-        <p:txBody>
-          <a:bodyPr wrap="square" rtlCol="0">
-            <a:spAutoFit/>
-          </a:bodyPr>
-          <a:lstStyle/>
-          <a:p>
-            <a:r>
-              <a:rPr lang="en-US" altLang="ja-JP" sz="2700" dirty="0" smtClean="0"/>
-              <a:t>f</a:t>
-            </a:r>
-            <a:endParaRPr kumimoji="1" lang="ja-JP" altLang="en-US" sz="2700" dirty="0"/>
-          </a:p>
-        </p:txBody>
-      </p:sp>
-      <p:sp>
-        <p:nvSpPr>
-          <p:cNvPr id="49" name="テキスト ボックス 48"/>
-          <p:cNvSpPr txBox="1"/>
-          <p:nvPr/>
-        </p:nvSpPr>
-        <p:spPr>
-          <a:xfrm>
-            <a:off x="5801553" y="3229463"/>
-            <a:ext cx="540000" cy="507831"/>
-          </a:xfrm>
-          <a:prstGeom prst="rect">
-            <a:avLst/>
-          </a:prstGeom>
-          <a:noFill/>
-        </p:spPr>
-        <p:txBody>
-          <a:bodyPr wrap="square" rtlCol="0">
-            <a:spAutoFit/>
-          </a:bodyPr>
-          <a:lstStyle/>
-          <a:p>
-            <a:r>
-              <a:rPr lang="en-US" altLang="ja-JP" sz="2700" dirty="0" smtClean="0"/>
-              <a:t>e</a:t>
-            </a:r>
-            <a:endParaRPr kumimoji="1" lang="ja-JP" altLang="en-US" sz="2700" dirty="0"/>
-          </a:p>
-        </p:txBody>
-      </p:sp>
-      <p:sp>
-        <p:nvSpPr>
-          <p:cNvPr id="50" name="テキスト ボックス 49"/>
-          <p:cNvSpPr txBox="1"/>
-          <p:nvPr/>
-        </p:nvSpPr>
-        <p:spPr>
-          <a:xfrm>
-            <a:off x="4761234" y="3245548"/>
-            <a:ext cx="540000" cy="507831"/>
-          </a:xfrm>
-          <a:prstGeom prst="rect">
-            <a:avLst/>
-          </a:prstGeom>
-          <a:noFill/>
-        </p:spPr>
-        <p:txBody>
-          <a:bodyPr wrap="square" rtlCol="0">
-            <a:spAutoFit/>
-          </a:bodyPr>
-          <a:lstStyle/>
-          <a:p>
-            <a:r>
-              <a:rPr lang="en-US" altLang="ja-JP" sz="2700" dirty="0" smtClean="0"/>
-              <a:t>d</a:t>
-            </a:r>
-            <a:endParaRPr kumimoji="1" lang="ja-JP" altLang="en-US" sz="2700" dirty="0"/>
-          </a:p>
-        </p:txBody>
-      </p:sp>
-      <p:sp>
-        <p:nvSpPr>
-          <p:cNvPr id="51" name="テキスト ボックス 50"/>
-          <p:cNvSpPr txBox="1"/>
-          <p:nvPr/>
-        </p:nvSpPr>
-        <p:spPr>
-          <a:xfrm>
-            <a:off x="4781064" y="4806178"/>
-            <a:ext cx="540000" cy="507831"/>
-          </a:xfrm>
-          <a:prstGeom prst="rect">
-            <a:avLst/>
-          </a:prstGeom>
-          <a:noFill/>
-        </p:spPr>
-        <p:txBody>
-          <a:bodyPr wrap="square" rtlCol="0">
-            <a:spAutoFit/>
-          </a:bodyPr>
-          <a:lstStyle/>
-          <a:p>
-            <a:r>
-              <a:rPr lang="en-US" altLang="ja-JP" sz="2700" dirty="0"/>
-              <a:t>n</a:t>
-            </a:r>
-            <a:endParaRPr kumimoji="1" lang="ja-JP" altLang="en-US" sz="2700" dirty="0"/>
-          </a:p>
-        </p:txBody>
-      </p:sp>
-      <p:sp>
-        <p:nvSpPr>
-          <p:cNvPr id="52" name="テキスト ボックス 51"/>
-          <p:cNvSpPr txBox="1"/>
-          <p:nvPr/>
-        </p:nvSpPr>
-        <p:spPr>
-          <a:xfrm>
-            <a:off x="8289255" y="4037919"/>
-            <a:ext cx="540000" cy="507831"/>
-          </a:xfrm>
-          <a:prstGeom prst="rect">
-            <a:avLst/>
-          </a:prstGeom>
-          <a:noFill/>
-        </p:spPr>
-        <p:txBody>
-          <a:bodyPr wrap="square" rtlCol="0">
-            <a:spAutoFit/>
-          </a:bodyPr>
-          <a:lstStyle/>
-          <a:p>
-            <a:r>
-              <a:rPr lang="en-US" altLang="ja-JP" sz="2700" dirty="0"/>
-              <a:t>m</a:t>
-            </a:r>
-            <a:endParaRPr kumimoji="1" lang="ja-JP" altLang="en-US" sz="2700" dirty="0"/>
-          </a:p>
-        </p:txBody>
-      </p:sp>
-      <p:sp>
-        <p:nvSpPr>
-          <p:cNvPr id="53" name="テキスト ボックス 52"/>
-          <p:cNvSpPr txBox="1"/>
-          <p:nvPr/>
-        </p:nvSpPr>
-        <p:spPr>
-          <a:xfrm>
-            <a:off x="7396148" y="4070314"/>
-            <a:ext cx="540000" cy="507831"/>
-          </a:xfrm>
-          <a:prstGeom prst="rect">
-            <a:avLst/>
-          </a:prstGeom>
-          <a:noFill/>
-        </p:spPr>
-        <p:txBody>
-          <a:bodyPr wrap="square" rtlCol="0">
-            <a:spAutoFit/>
-          </a:bodyPr>
-          <a:lstStyle/>
-          <a:p>
-            <a:r>
-              <a:rPr lang="en-US" altLang="ja-JP" sz="2700" dirty="0"/>
-              <a:t>l</a:t>
-            </a:r>
-            <a:endParaRPr kumimoji="1" lang="ja-JP" altLang="en-US" sz="2700" dirty="0"/>
-          </a:p>
-        </p:txBody>
-      </p:sp>
-      <p:sp>
-        <p:nvSpPr>
-          <p:cNvPr id="54" name="テキスト ボックス 53"/>
-          <p:cNvSpPr txBox="1"/>
-          <p:nvPr/>
-        </p:nvSpPr>
-        <p:spPr>
-          <a:xfrm>
-            <a:off x="6288587" y="4071696"/>
-            <a:ext cx="540000" cy="507831"/>
-          </a:xfrm>
-          <a:prstGeom prst="rect">
-            <a:avLst/>
-          </a:prstGeom>
-          <a:noFill/>
-        </p:spPr>
-        <p:txBody>
-          <a:bodyPr wrap="square" rtlCol="0">
-            <a:spAutoFit/>
-          </a:bodyPr>
-          <a:lstStyle/>
-          <a:p>
-            <a:r>
-              <a:rPr lang="en-US" altLang="ja-JP" sz="2700" dirty="0"/>
-              <a:t>k</a:t>
-            </a:r>
-            <a:endParaRPr kumimoji="1" lang="ja-JP" altLang="en-US" sz="2700" dirty="0"/>
-          </a:p>
-        </p:txBody>
-      </p:sp>
-      <p:sp>
-        <p:nvSpPr>
-          <p:cNvPr id="55" name="テキスト ボックス 54"/>
-          <p:cNvSpPr txBox="1"/>
-          <p:nvPr/>
-        </p:nvSpPr>
-        <p:spPr>
-          <a:xfrm>
-            <a:off x="5270042" y="4071408"/>
-            <a:ext cx="540000" cy="507831"/>
-          </a:xfrm>
-          <a:prstGeom prst="rect">
-            <a:avLst/>
-          </a:prstGeom>
-          <a:noFill/>
-        </p:spPr>
-        <p:txBody>
-          <a:bodyPr wrap="square" rtlCol="0">
-            <a:spAutoFit/>
-          </a:bodyPr>
-          <a:lstStyle/>
-          <a:p>
-            <a:r>
-              <a:rPr lang="en-US" altLang="ja-JP" sz="2700" dirty="0"/>
-              <a:t>j</a:t>
-            </a:r>
-            <a:endParaRPr kumimoji="1" lang="ja-JP" altLang="en-US" sz="2700" dirty="0"/>
-          </a:p>
-        </p:txBody>
-      </p:sp>
-      <p:sp>
-        <p:nvSpPr>
-          <p:cNvPr id="56" name="テキスト ボックス 55"/>
-          <p:cNvSpPr txBox="1"/>
-          <p:nvPr/>
-        </p:nvSpPr>
-        <p:spPr>
-          <a:xfrm>
-            <a:off x="4241064" y="4075020"/>
-            <a:ext cx="540000" cy="507831"/>
-          </a:xfrm>
-          <a:prstGeom prst="rect">
-            <a:avLst/>
-          </a:prstGeom>
-          <a:noFill/>
-        </p:spPr>
-        <p:txBody>
-          <a:bodyPr wrap="square" rtlCol="0">
-            <a:spAutoFit/>
-          </a:bodyPr>
-          <a:lstStyle/>
-          <a:p>
-            <a:r>
-              <a:rPr lang="en-US" altLang="ja-JP" sz="2700" dirty="0"/>
-              <a:t>i</a:t>
-            </a:r>
-            <a:endParaRPr kumimoji="1" lang="ja-JP" altLang="en-US" sz="2700" dirty="0"/>
-          </a:p>
-        </p:txBody>
-      </p:sp>
-      <p:sp>
-        <p:nvSpPr>
-          <p:cNvPr id="57" name="テキスト ボックス 56"/>
-          <p:cNvSpPr txBox="1"/>
-          <p:nvPr/>
-        </p:nvSpPr>
-        <p:spPr>
-          <a:xfrm>
-            <a:off x="6784393" y="4801463"/>
-            <a:ext cx="540000" cy="507831"/>
-          </a:xfrm>
-          <a:prstGeom prst="rect">
-            <a:avLst/>
-          </a:prstGeom>
-          <a:noFill/>
-        </p:spPr>
-        <p:txBody>
-          <a:bodyPr wrap="square" rtlCol="0">
-            <a:spAutoFit/>
-          </a:bodyPr>
-          <a:lstStyle/>
-          <a:p>
-            <a:r>
-              <a:rPr lang="en-US" altLang="ja-JP" sz="2700" dirty="0" smtClean="0"/>
-              <a:t>p</a:t>
-            </a:r>
-            <a:endParaRPr kumimoji="1" lang="ja-JP" altLang="en-US" sz="2700" dirty="0"/>
-          </a:p>
-        </p:txBody>
-      </p:sp>
-      <p:sp>
-        <p:nvSpPr>
-          <p:cNvPr id="58" name="テキスト ボックス 57"/>
-          <p:cNvSpPr txBox="1"/>
-          <p:nvPr/>
-        </p:nvSpPr>
-        <p:spPr>
-          <a:xfrm>
-            <a:off x="5803027" y="4810529"/>
-            <a:ext cx="540000" cy="507831"/>
-          </a:xfrm>
-          <a:prstGeom prst="rect">
-            <a:avLst/>
-          </a:prstGeom>
-          <a:noFill/>
-        </p:spPr>
-        <p:txBody>
-          <a:bodyPr wrap="square" rtlCol="0">
-            <a:spAutoFit/>
-          </a:bodyPr>
-          <a:lstStyle/>
-          <a:p>
-            <a:r>
-              <a:rPr lang="en-US" altLang="ja-JP" sz="2700" dirty="0" smtClean="0"/>
-              <a:t>o</a:t>
-            </a:r>
-            <a:endParaRPr kumimoji="1" lang="ja-JP" altLang="en-US" sz="2700" dirty="0"/>
-          </a:p>
-        </p:txBody>
-      </p:sp>
     </p:spTree>
     <p:extLst>
       <p:ext uri="{BB962C8B-B14F-4D97-AF65-F5344CB8AC3E}">
@@ -9168,6 +8179,84 @@
     <p:extLst>
       <p:ext uri="{BB962C8B-B14F-4D97-AF65-F5344CB8AC3E}">
         <p14:creationId xmlns:p14="http://schemas.microsoft.com/office/powerpoint/2010/main" val="612796981"/>
+      </p:ext>
+    </p:extLst>
+  </p:cSld>
+  <p:clrMapOvr>
+    <a:masterClrMapping/>
+  </p:clrMapOvr>
+</p:sld>
+</file>
+
+<file path=ppt/slides/slide13.xml><?xml version="1.0" encoding="utf-8"?>
+<p:sld xmlns:a="http://schemas.openxmlformats.org/drawingml/2006/main" xmlns:r="http://schemas.openxmlformats.org/officeDocument/2006/relationships" xmlns:p="http://schemas.openxmlformats.org/presentationml/2006/main">
+  <p:cSld>
+    <p:spTree>
+      <p:nvGrpSpPr>
+        <p:cNvPr id="1" name=""/>
+        <p:cNvGrpSpPr/>
+        <p:nvPr/>
+      </p:nvGrpSpPr>
+      <p:grpSpPr>
+        <a:xfrm>
+          <a:off x="0" y="0"/>
+          <a:ext cx="0" cy="0"/>
+          <a:chOff x="0" y="0"/>
+          <a:chExt cx="0" cy="0"/>
+        </a:xfrm>
+      </p:grpSpPr>
+      <p:pic>
+        <p:nvPicPr>
+          <p:cNvPr id="5" name="図 4"/>
+          <p:cNvPicPr>
+            <a:picLocks noChangeAspect="1"/>
+          </p:cNvPicPr>
+          <p:nvPr/>
+        </p:nvPicPr>
+        <p:blipFill>
+          <a:blip r:embed="rId2"/>
+          <a:stretch>
+            <a:fillRect/>
+          </a:stretch>
+        </p:blipFill>
+        <p:spPr>
+          <a:xfrm>
+            <a:off x="2593506" y="989350"/>
+            <a:ext cx="5380959" cy="3390171"/>
+          </a:xfrm>
+          <a:prstGeom prst="rect">
+            <a:avLst/>
+          </a:prstGeom>
+        </p:spPr>
+      </p:pic>
+      <p:pic>
+        <p:nvPicPr>
+          <p:cNvPr id="6" name="図 5"/>
+          <p:cNvPicPr>
+            <a:picLocks noChangeAspect="1"/>
+          </p:cNvPicPr>
+          <p:nvPr/>
+        </p:nvPicPr>
+        <p:blipFill>
+          <a:blip r:embed="rId3"/>
+          <a:stretch>
+            <a:fillRect/>
+          </a:stretch>
+        </p:blipFill>
+        <p:spPr>
+          <a:xfrm>
+            <a:off x="8609872" y="1829853"/>
+            <a:ext cx="1328607" cy="1709163"/>
+          </a:xfrm>
+          <a:prstGeom prst="rect">
+            <a:avLst/>
+          </a:prstGeom>
+        </p:spPr>
+      </p:pic>
+    </p:spTree>
+    <p:extLst>
+      <p:ext uri="{BB962C8B-B14F-4D97-AF65-F5344CB8AC3E}">
+        <p14:creationId xmlns:p14="http://schemas.microsoft.com/office/powerpoint/2010/main" val="525429363"/>
       </p:ext>
     </p:extLst>
   </p:cSld>
